--- a/安卓开发课设文档v2.pptx
+++ b/安卓开发课设文档v2.pptx
@@ -6349,7 +6349,7 @@
           </a:ln>
           <a:extLst>
             <a:ext uri="{C572A759-6A51-4108-AA02-DFA0A04FC94B}">
-              <ma14:wrappingTextBoxFlag xmlns:ma14="http://schemas.microsoft.com/office/mac/drawingml/2011/main" xmlns:a14="http://schemas.microsoft.com/office/drawing/2010/main" xmlns:m="http://schemas.openxmlformats.org/officeDocument/2006/math" xmlns="" val="1"/>
+              <ma14:wrappingTextBoxFlag xmlns="" xmlns:m="http://schemas.openxmlformats.org/officeDocument/2006/math" xmlns:a14="http://schemas.microsoft.com/office/drawing/2010/main" xmlns:ma14="http://schemas.microsoft.com/office/mac/drawingml/2011/main" val="1"/>
             </a:ext>
           </a:extLst>
         </p:spPr>
@@ -6388,7 +6388,7 @@
           </a:ln>
           <a:extLst>
             <a:ext uri="{C572A759-6A51-4108-AA02-DFA0A04FC94B}">
-              <ma14:wrappingTextBoxFlag xmlns:ma14="http://schemas.microsoft.com/office/mac/drawingml/2011/main" xmlns:a14="http://schemas.microsoft.com/office/drawing/2010/main" xmlns:m="http://schemas.openxmlformats.org/officeDocument/2006/math" xmlns="" val="1"/>
+              <ma14:wrappingTextBoxFlag xmlns="" xmlns:m="http://schemas.openxmlformats.org/officeDocument/2006/math" xmlns:a14="http://schemas.microsoft.com/office/drawing/2010/main" xmlns:ma14="http://schemas.microsoft.com/office/mac/drawingml/2011/main" val="1"/>
             </a:ext>
           </a:extLst>
         </p:spPr>
@@ -7271,7 +7271,7 @@
           </a:ln>
           <a:extLst>
             <a:ext uri="{C572A759-6A51-4108-AA02-DFA0A04FC94B}">
-              <ma14:wrappingTextBoxFlag xmlns:ma14="http://schemas.microsoft.com/office/mac/drawingml/2011/main" xmlns:a14="http://schemas.microsoft.com/office/drawing/2010/main" xmlns:m="http://schemas.openxmlformats.org/officeDocument/2006/math" xmlns="" val="1"/>
+              <ma14:wrappingTextBoxFlag xmlns="" xmlns:m="http://schemas.openxmlformats.org/officeDocument/2006/math" xmlns:a14="http://schemas.microsoft.com/office/drawing/2010/main" xmlns:ma14="http://schemas.microsoft.com/office/mac/drawingml/2011/main" val="1"/>
             </a:ext>
           </a:extLst>
         </p:spPr>
@@ -7314,8 +7314,8 @@
         </p:nvSpPr>
         <p:spPr>
           <a:xfrm>
-            <a:off x="1059203" y="3786436"/>
-            <a:ext cx="2888611" cy="820738"/>
+            <a:off x="1049776" y="3703374"/>
+            <a:ext cx="8778044" cy="1590179"/>
           </a:xfrm>
           <a:prstGeom prst="rect">
             <a:avLst/>
@@ -7325,7 +7325,7 @@
           </a:ln>
           <a:extLst>
             <a:ext uri="{C572A759-6A51-4108-AA02-DFA0A04FC94B}">
-              <ma14:wrappingTextBoxFlag xmlns:ma14="http://schemas.microsoft.com/office/mac/drawingml/2011/main" xmlns:a14="http://schemas.microsoft.com/office/drawing/2010/main" xmlns:m="http://schemas.openxmlformats.org/officeDocument/2006/math" xmlns="" val="1"/>
+              <ma14:wrappingTextBoxFlag xmlns="" xmlns:m="http://schemas.openxmlformats.org/officeDocument/2006/math" xmlns:a14="http://schemas.microsoft.com/office/drawing/2010/main" xmlns:ma14="http://schemas.microsoft.com/office/mac/drawingml/2011/main" val="1"/>
             </a:ext>
           </a:extLst>
         </p:spPr>
@@ -7410,6 +7410,71 @@
                 <a:sym typeface="Microsoft YaHei"/>
               </a:rPr>
               <a:t>张子鸣</a:t>
+            </a:r>
+            <a:endParaRPr lang="en-US" altLang="zh-CN" sz="2500" kern="0" dirty="0">
+              <a:solidFill>
+                <a:srgbClr val="59C4D0"/>
+              </a:solidFill>
+              <a:latin typeface="Microsoft YaHei"/>
+              <a:ea typeface="Microsoft YaHei"/>
+              <a:sym typeface="Microsoft YaHei"/>
+            </a:endParaRPr>
+          </a:p>
+          <a:p>
+            <a:pPr defTabSz="412750" hangingPunct="0">
+              <a:defRPr sz="5000">
+                <a:solidFill>
+                  <a:srgbClr val="59C4D0"/>
+                </a:solidFill>
+                <a:latin typeface="Microsoft YaHei"/>
+                <a:ea typeface="Microsoft YaHei"/>
+                <a:cs typeface="Microsoft YaHei"/>
+                <a:sym typeface="Microsoft YaHei"/>
+              </a:defRPr>
+            </a:pPr>
+            <a:endParaRPr lang="en-US" altLang="zh-CN" sz="2500" kern="0" dirty="0">
+              <a:solidFill>
+                <a:srgbClr val="59C4D0"/>
+              </a:solidFill>
+              <a:latin typeface="Microsoft YaHei"/>
+              <a:ea typeface="Microsoft YaHei"/>
+              <a:sym typeface="Microsoft YaHei"/>
+            </a:endParaRPr>
+          </a:p>
+          <a:p>
+            <a:pPr defTabSz="412750" hangingPunct="0">
+              <a:defRPr sz="5000">
+                <a:solidFill>
+                  <a:srgbClr val="59C4D0"/>
+                </a:solidFill>
+                <a:latin typeface="Microsoft YaHei"/>
+                <a:ea typeface="Microsoft YaHei"/>
+                <a:cs typeface="Microsoft YaHei"/>
+                <a:sym typeface="Microsoft YaHei"/>
+              </a:defRPr>
+            </a:pPr>
+            <a:r>
+              <a:rPr lang="zh-CN" altLang="en-US" sz="2500" kern="0" dirty="0">
+                <a:solidFill>
+                  <a:srgbClr val="59C4D0"/>
+                </a:solidFill>
+                <a:latin typeface="Microsoft YaHei"/>
+                <a:ea typeface="Microsoft YaHei"/>
+                <a:sym typeface="Microsoft YaHei"/>
+              </a:rPr>
+              <a:t>演示录像：</a:t>
+            </a:r>
+            <a:r>
+              <a:rPr lang="en-US" altLang="zh-CN" sz="2500" kern="0" dirty="0">
+                <a:solidFill>
+                  <a:srgbClr val="59C4D0"/>
+                </a:solidFill>
+                <a:latin typeface="Microsoft YaHei"/>
+                <a:ea typeface="Microsoft YaHei"/>
+                <a:sym typeface="Microsoft YaHei"/>
+                <a:hlinkClick r:id="rId4"/>
+              </a:rPr>
+              <a:t>https://www.bilibili.com/video/BV1Uv411z7J3/</a:t>
             </a:r>
             <a:endParaRPr sz="2500" kern="0" dirty="0">
               <a:solidFill>
@@ -7437,7 +7502,7 @@
           <p:nvPr/>
         </p:nvPicPr>
         <p:blipFill>
-          <a:blip r:embed="rId4">
+          <a:blip r:embed="rId5">
             <a:extLst>
               <a:ext uri="{28A0092B-C50C-407E-A947-70E740481C1C}">
                 <a14:useLocalDpi xmlns:a14="http://schemas.microsoft.com/office/drawing/2010/main" val="0"/>
@@ -7530,7 +7595,7 @@
           </a:ln>
           <a:extLst>
             <a:ext uri="{C572A759-6A51-4108-AA02-DFA0A04FC94B}">
-              <ma14:wrappingTextBoxFlag xmlns:ma14="http://schemas.microsoft.com/office/mac/drawingml/2011/main" xmlns:a14="http://schemas.microsoft.com/office/drawing/2010/main" xmlns:m="http://schemas.openxmlformats.org/officeDocument/2006/math" xmlns="" val="1"/>
+              <ma14:wrappingTextBoxFlag xmlns="" xmlns:m="http://schemas.openxmlformats.org/officeDocument/2006/math" xmlns:a14="http://schemas.microsoft.com/office/drawing/2010/main" xmlns:ma14="http://schemas.microsoft.com/office/mac/drawingml/2011/main" val="1"/>
             </a:ext>
           </a:extLst>
         </p:spPr>
@@ -7625,7 +7690,7 @@
           </a:ln>
           <a:extLst>
             <a:ext uri="{C572A759-6A51-4108-AA02-DFA0A04FC94B}">
-              <ma14:wrappingTextBoxFlag xmlns:ma14="http://schemas.microsoft.com/office/mac/drawingml/2011/main" xmlns:a14="http://schemas.microsoft.com/office/drawing/2010/main" xmlns:m="http://schemas.openxmlformats.org/officeDocument/2006/math" xmlns="" val="1"/>
+              <ma14:wrappingTextBoxFlag xmlns="" xmlns:m="http://schemas.openxmlformats.org/officeDocument/2006/math" xmlns:a14="http://schemas.microsoft.com/office/drawing/2010/main" xmlns:ma14="http://schemas.microsoft.com/office/mac/drawingml/2011/main" val="1"/>
             </a:ext>
           </a:extLst>
         </p:spPr>
@@ -8030,7 +8095,7 @@
           </a:ln>
           <a:extLst>
             <a:ext uri="{C572A759-6A51-4108-AA02-DFA0A04FC94B}">
-              <ma14:wrappingTextBoxFlag xmlns:ma14="http://schemas.microsoft.com/office/mac/drawingml/2011/main" xmlns:a14="http://schemas.microsoft.com/office/drawing/2010/main" xmlns:m="http://schemas.openxmlformats.org/officeDocument/2006/math" xmlns="" val="1"/>
+              <ma14:wrappingTextBoxFlag xmlns="" xmlns:m="http://schemas.openxmlformats.org/officeDocument/2006/math" xmlns:a14="http://schemas.microsoft.com/office/drawing/2010/main" xmlns:ma14="http://schemas.microsoft.com/office/mac/drawingml/2011/main" val="1"/>
             </a:ext>
           </a:extLst>
         </p:spPr>
@@ -8097,7 +8162,7 @@
           </a:ln>
           <a:extLst>
             <a:ext uri="{C572A759-6A51-4108-AA02-DFA0A04FC94B}">
-              <ma14:wrappingTextBoxFlag xmlns:ma14="http://schemas.microsoft.com/office/mac/drawingml/2011/main" xmlns:a14="http://schemas.microsoft.com/office/drawing/2010/main" xmlns:m="http://schemas.openxmlformats.org/officeDocument/2006/math" xmlns="" val="1"/>
+              <ma14:wrappingTextBoxFlag xmlns="" xmlns:m="http://schemas.openxmlformats.org/officeDocument/2006/math" xmlns:a14="http://schemas.microsoft.com/office/drawing/2010/main" xmlns:ma14="http://schemas.microsoft.com/office/mac/drawingml/2011/main" val="1"/>
             </a:ext>
           </a:extLst>
         </p:spPr>
@@ -8548,7 +8613,7 @@
           </a:ln>
           <a:extLst>
             <a:ext uri="{C572A759-6A51-4108-AA02-DFA0A04FC94B}">
-              <ma14:wrappingTextBoxFlag xmlns:ma14="http://schemas.microsoft.com/office/mac/drawingml/2011/main" xmlns:a14="http://schemas.microsoft.com/office/drawing/2010/main" xmlns:m="http://schemas.openxmlformats.org/officeDocument/2006/math" xmlns="" val="1"/>
+              <ma14:wrappingTextBoxFlag xmlns="" xmlns:m="http://schemas.openxmlformats.org/officeDocument/2006/math" xmlns:a14="http://schemas.microsoft.com/office/drawing/2010/main" xmlns:ma14="http://schemas.microsoft.com/office/mac/drawingml/2011/main" val="1"/>
             </a:ext>
           </a:extLst>
         </p:spPr>
@@ -8657,7 +8722,7 @@
           </a:ln>
           <a:extLst>
             <a:ext uri="{C572A759-6A51-4108-AA02-DFA0A04FC94B}">
-              <ma14:wrappingTextBoxFlag xmlns:ma14="http://schemas.microsoft.com/office/mac/drawingml/2011/main" xmlns:a14="http://schemas.microsoft.com/office/drawing/2010/main" xmlns:m="http://schemas.openxmlformats.org/officeDocument/2006/math" xmlns="" val="1"/>
+              <ma14:wrappingTextBoxFlag xmlns="" xmlns:m="http://schemas.openxmlformats.org/officeDocument/2006/math" xmlns:a14="http://schemas.microsoft.com/office/drawing/2010/main" xmlns:ma14="http://schemas.microsoft.com/office/mac/drawingml/2011/main" val="1"/>
             </a:ext>
           </a:extLst>
         </p:spPr>
@@ -9017,14 +9082,14 @@
               <a:t>	</a:t>
             </a:r>
             <a:r>
-              <a:rPr lang="zh-CN" altLang="en-US" b="1" dirty="0">
+              <a:rPr lang="zh-CN" altLang="en-US" dirty="0">
                 <a:solidFill>
                   <a:srgbClr val="3A5BAE"/>
                 </a:solidFill>
               </a:rPr>
               <a:t>√</a:t>
             </a:r>
-            <a:endParaRPr lang="en-US" altLang="zh-CN" b="1" dirty="0">
+            <a:endParaRPr lang="en-US" altLang="zh-CN" dirty="0">
               <a:solidFill>
                 <a:srgbClr val="3A5BAE"/>
               </a:solidFill>
@@ -9059,14 +9124,14 @@
               <a:t>item	</a:t>
             </a:r>
             <a:r>
-              <a:rPr lang="zh-CN" altLang="en-US" b="1" dirty="0">
+              <a:rPr lang="zh-CN" altLang="en-US" dirty="0">
                 <a:solidFill>
                   <a:srgbClr val="3A5BAE"/>
                 </a:solidFill>
               </a:rPr>
               <a:t>√</a:t>
             </a:r>
-            <a:endParaRPr lang="en-US" altLang="zh-CN" b="1" dirty="0">
+            <a:endParaRPr lang="en-US" altLang="zh-CN" dirty="0">
               <a:solidFill>
                 <a:srgbClr val="3A5BAE"/>
               </a:solidFill>
@@ -9225,7 +9290,7 @@
           </a:ln>
           <a:extLst>
             <a:ext uri="{C572A759-6A51-4108-AA02-DFA0A04FC94B}">
-              <ma14:wrappingTextBoxFlag xmlns:ma14="http://schemas.microsoft.com/office/mac/drawingml/2011/main" xmlns:a14="http://schemas.microsoft.com/office/drawing/2010/main" xmlns:m="http://schemas.openxmlformats.org/officeDocument/2006/math" xmlns="" val="1"/>
+              <ma14:wrappingTextBoxFlag xmlns="" xmlns:m="http://schemas.openxmlformats.org/officeDocument/2006/math" xmlns:a14="http://schemas.microsoft.com/office/drawing/2010/main" xmlns:ma14="http://schemas.microsoft.com/office/mac/drawingml/2011/main" val="1"/>
             </a:ext>
           </a:extLst>
         </p:spPr>
@@ -9317,7 +9382,7 @@
           </a:ln>
           <a:extLst>
             <a:ext uri="{C572A759-6A51-4108-AA02-DFA0A04FC94B}">
-              <ma14:wrappingTextBoxFlag xmlns:ma14="http://schemas.microsoft.com/office/mac/drawingml/2011/main" xmlns:a14="http://schemas.microsoft.com/office/drawing/2010/main" xmlns:m="http://schemas.openxmlformats.org/officeDocument/2006/math" xmlns="" val="1"/>
+              <ma14:wrappingTextBoxFlag xmlns="" xmlns:m="http://schemas.openxmlformats.org/officeDocument/2006/math" xmlns:a14="http://schemas.microsoft.com/office/drawing/2010/main" xmlns:ma14="http://schemas.microsoft.com/office/mac/drawingml/2011/main" val="1"/>
             </a:ext>
           </a:extLst>
         </p:spPr>
@@ -10045,7 +10110,7 @@
           </a:ln>
           <a:extLst>
             <a:ext uri="{C572A759-6A51-4108-AA02-DFA0A04FC94B}">
-              <ma14:wrappingTextBoxFlag xmlns:ma14="http://schemas.microsoft.com/office/mac/drawingml/2011/main" xmlns:a14="http://schemas.microsoft.com/office/drawing/2010/main" xmlns:m="http://schemas.openxmlformats.org/officeDocument/2006/math" xmlns="" val="1"/>
+              <ma14:wrappingTextBoxFlag xmlns="" xmlns:m="http://schemas.openxmlformats.org/officeDocument/2006/math" xmlns:a14="http://schemas.microsoft.com/office/drawing/2010/main" xmlns:ma14="http://schemas.microsoft.com/office/mac/drawingml/2011/main" val="1"/>
             </a:ext>
           </a:extLst>
         </p:spPr>
@@ -10137,7 +10202,7 @@
           </a:ln>
           <a:extLst>
             <a:ext uri="{C572A759-6A51-4108-AA02-DFA0A04FC94B}">
-              <ma14:wrappingTextBoxFlag xmlns:ma14="http://schemas.microsoft.com/office/mac/drawingml/2011/main" xmlns:a14="http://schemas.microsoft.com/office/drawing/2010/main" xmlns:m="http://schemas.openxmlformats.org/officeDocument/2006/math" xmlns="" val="1"/>
+              <ma14:wrappingTextBoxFlag xmlns="" xmlns:m="http://schemas.openxmlformats.org/officeDocument/2006/math" xmlns:a14="http://schemas.microsoft.com/office/drawing/2010/main" xmlns:ma14="http://schemas.microsoft.com/office/mac/drawingml/2011/main" val="1"/>
             </a:ext>
           </a:extLst>
         </p:spPr>
@@ -10909,7 +10974,7 @@
           </a:ln>
           <a:extLst>
             <a:ext uri="{C572A759-6A51-4108-AA02-DFA0A04FC94B}">
-              <ma14:wrappingTextBoxFlag xmlns:ma14="http://schemas.microsoft.com/office/mac/drawingml/2011/main" xmlns:a14="http://schemas.microsoft.com/office/drawing/2010/main" xmlns:m="http://schemas.openxmlformats.org/officeDocument/2006/math" xmlns="" val="1"/>
+              <ma14:wrappingTextBoxFlag xmlns="" xmlns:m="http://schemas.openxmlformats.org/officeDocument/2006/math" xmlns:a14="http://schemas.microsoft.com/office/drawing/2010/main" xmlns:ma14="http://schemas.microsoft.com/office/mac/drawingml/2011/main" val="1"/>
             </a:ext>
           </a:extLst>
         </p:spPr>
@@ -11001,7 +11066,7 @@
           </a:ln>
           <a:extLst>
             <a:ext uri="{C572A759-6A51-4108-AA02-DFA0A04FC94B}">
-              <ma14:wrappingTextBoxFlag xmlns:ma14="http://schemas.microsoft.com/office/mac/drawingml/2011/main" xmlns:a14="http://schemas.microsoft.com/office/drawing/2010/main" xmlns:m="http://schemas.openxmlformats.org/officeDocument/2006/math" xmlns="" val="1"/>
+              <ma14:wrappingTextBoxFlag xmlns="" xmlns:m="http://schemas.openxmlformats.org/officeDocument/2006/math" xmlns:a14="http://schemas.microsoft.com/office/drawing/2010/main" xmlns:ma14="http://schemas.microsoft.com/office/mac/drawingml/2011/main" val="1"/>
             </a:ext>
           </a:extLst>
         </p:spPr>
@@ -11792,7 +11857,7 @@
           </a:ln>
           <a:extLst>
             <a:ext uri="{C572A759-6A51-4108-AA02-DFA0A04FC94B}">
-              <ma14:wrappingTextBoxFlag xmlns:ma14="http://schemas.microsoft.com/office/mac/drawingml/2011/main" xmlns:a14="http://schemas.microsoft.com/office/drawing/2010/main" xmlns:m="http://schemas.openxmlformats.org/officeDocument/2006/math" xmlns="" val="1"/>
+              <ma14:wrappingTextBoxFlag xmlns="" xmlns:m="http://schemas.openxmlformats.org/officeDocument/2006/math" xmlns:a14="http://schemas.microsoft.com/office/drawing/2010/main" xmlns:ma14="http://schemas.microsoft.com/office/mac/drawingml/2011/main" val="1"/>
             </a:ext>
           </a:extLst>
         </p:spPr>
@@ -11884,7 +11949,7 @@
           </a:ln>
           <a:extLst>
             <a:ext uri="{C572A759-6A51-4108-AA02-DFA0A04FC94B}">
-              <ma14:wrappingTextBoxFlag xmlns:ma14="http://schemas.microsoft.com/office/mac/drawingml/2011/main" xmlns:a14="http://schemas.microsoft.com/office/drawing/2010/main" xmlns:m="http://schemas.openxmlformats.org/officeDocument/2006/math" xmlns="" val="1"/>
+              <ma14:wrappingTextBoxFlag xmlns="" xmlns:m="http://schemas.openxmlformats.org/officeDocument/2006/math" xmlns:a14="http://schemas.microsoft.com/office/drawing/2010/main" xmlns:ma14="http://schemas.microsoft.com/office/mac/drawingml/2011/main" val="1"/>
             </a:ext>
           </a:extLst>
         </p:spPr>
@@ -12554,7 +12619,7 @@
           </a:ln>
           <a:extLst>
             <a:ext uri="{C572A759-6A51-4108-AA02-DFA0A04FC94B}">
-              <ma14:wrappingTextBoxFlag xmlns:ma14="http://schemas.microsoft.com/office/mac/drawingml/2011/main" xmlns:a14="http://schemas.microsoft.com/office/drawing/2010/main" xmlns:m="http://schemas.openxmlformats.org/officeDocument/2006/math" xmlns="" val="1"/>
+              <ma14:wrappingTextBoxFlag xmlns="" xmlns:m="http://schemas.openxmlformats.org/officeDocument/2006/math" xmlns:a14="http://schemas.microsoft.com/office/drawing/2010/main" xmlns:ma14="http://schemas.microsoft.com/office/mac/drawingml/2011/main" val="1"/>
             </a:ext>
           </a:extLst>
         </p:spPr>
@@ -12646,7 +12711,7 @@
           </a:ln>
           <a:extLst>
             <a:ext uri="{C572A759-6A51-4108-AA02-DFA0A04FC94B}">
-              <ma14:wrappingTextBoxFlag xmlns:ma14="http://schemas.microsoft.com/office/mac/drawingml/2011/main" xmlns:a14="http://schemas.microsoft.com/office/drawing/2010/main" xmlns:m="http://schemas.openxmlformats.org/officeDocument/2006/math" xmlns="" val="1"/>
+              <ma14:wrappingTextBoxFlag xmlns="" xmlns:m="http://schemas.openxmlformats.org/officeDocument/2006/math" xmlns:a14="http://schemas.microsoft.com/office/drawing/2010/main" xmlns:ma14="http://schemas.microsoft.com/office/mac/drawingml/2011/main" val="1"/>
             </a:ext>
           </a:extLst>
         </p:spPr>
@@ -13259,7 +13324,7 @@
           </a:ln>
           <a:extLst>
             <a:ext uri="{C572A759-6A51-4108-AA02-DFA0A04FC94B}">
-              <ma14:wrappingTextBoxFlag xmlns:ma14="http://schemas.microsoft.com/office/mac/drawingml/2011/main" xmlns:a14="http://schemas.microsoft.com/office/drawing/2010/main" xmlns:m="http://schemas.openxmlformats.org/officeDocument/2006/math" xmlns="" val="1"/>
+              <ma14:wrappingTextBoxFlag xmlns="" xmlns:m="http://schemas.openxmlformats.org/officeDocument/2006/math" xmlns:a14="http://schemas.microsoft.com/office/drawing/2010/main" xmlns:ma14="http://schemas.microsoft.com/office/mac/drawingml/2011/main" val="1"/>
             </a:ext>
           </a:extLst>
         </p:spPr>
@@ -13351,7 +13416,7 @@
           </a:ln>
           <a:extLst>
             <a:ext uri="{C572A759-6A51-4108-AA02-DFA0A04FC94B}">
-              <ma14:wrappingTextBoxFlag xmlns:ma14="http://schemas.microsoft.com/office/mac/drawingml/2011/main" xmlns:a14="http://schemas.microsoft.com/office/drawing/2010/main" xmlns:m="http://schemas.openxmlformats.org/officeDocument/2006/math" xmlns="" val="1"/>
+              <ma14:wrappingTextBoxFlag xmlns="" xmlns:m="http://schemas.openxmlformats.org/officeDocument/2006/math" xmlns:a14="http://schemas.microsoft.com/office/drawing/2010/main" xmlns:ma14="http://schemas.microsoft.com/office/mac/drawingml/2011/main" val="1"/>
             </a:ext>
           </a:extLst>
         </p:spPr>
@@ -13908,7 +13973,7 @@
           </a:ln>
           <a:extLst>
             <a:ext uri="{C572A759-6A51-4108-AA02-DFA0A04FC94B}">
-              <ma14:wrappingTextBoxFlag xmlns:ma14="http://schemas.microsoft.com/office/mac/drawingml/2011/main" xmlns:a14="http://schemas.microsoft.com/office/drawing/2010/main" xmlns:m="http://schemas.openxmlformats.org/officeDocument/2006/math" xmlns="" val="1"/>
+              <ma14:wrappingTextBoxFlag xmlns="" xmlns:m="http://schemas.openxmlformats.org/officeDocument/2006/math" xmlns:a14="http://schemas.microsoft.com/office/drawing/2010/main" xmlns:ma14="http://schemas.microsoft.com/office/mac/drawingml/2011/main" val="1"/>
             </a:ext>
           </a:extLst>
         </p:spPr>
@@ -14003,7 +14068,7 @@
           </a:ln>
           <a:extLst>
             <a:ext uri="{C572A759-6A51-4108-AA02-DFA0A04FC94B}">
-              <ma14:wrappingTextBoxFlag xmlns:ma14="http://schemas.microsoft.com/office/mac/drawingml/2011/main" xmlns:a14="http://schemas.microsoft.com/office/drawing/2010/main" xmlns:m="http://schemas.openxmlformats.org/officeDocument/2006/math" xmlns="" val="1"/>
+              <ma14:wrappingTextBoxFlag xmlns="" xmlns:m="http://schemas.openxmlformats.org/officeDocument/2006/math" xmlns:a14="http://schemas.microsoft.com/office/drawing/2010/main" xmlns:ma14="http://schemas.microsoft.com/office/mac/drawingml/2011/main" val="1"/>
             </a:ext>
           </a:extLst>
         </p:spPr>
